--- a/ppt 16-9/0726.生命种子.pptx
+++ b/ppt 16-9/0726.生命种子.pptx
@@ -5,7 +5,7 @@
     <p:sldMasterId id="2147483648" r:id="rId1"/>
   </p:sldMasterIdLst>
   <p:sldIdLst>
-    <p:sldId id="1963" r:id="rId2"/>
+    <p:sldId id="1965" r:id="rId2"/>
   </p:sldIdLst>
   <p:sldSz cx="12192000" cy="6858000"/>
   <p:notesSz cx="6858000" cy="9144000"/>
@@ -129,7 +129,7 @@
           <p:cNvPr id="2" name="标题 1">
             <a:extLst>
               <a:ext uri="{FF2B5EF4-FFF2-40B4-BE49-F238E27FC236}">
-                <a16:creationId xmlns:a16="http://schemas.microsoft.com/office/drawing/2014/main" id="{C7620293-F826-AFDC-C6B0-F0D249B78DDD}"/>
+                <a16:creationId xmlns:a16="http://schemas.microsoft.com/office/drawing/2014/main" id="{11DC5C94-C9DF-45BE-751D-791CF8F8FCEA}"/>
               </a:ext>
             </a:extLst>
           </p:cNvPr>
@@ -166,7 +166,7 @@
           <p:cNvPr id="3" name="副标题 2">
             <a:extLst>
               <a:ext uri="{FF2B5EF4-FFF2-40B4-BE49-F238E27FC236}">
-                <a16:creationId xmlns:a16="http://schemas.microsoft.com/office/drawing/2014/main" id="{4E9DB04E-1430-D4F5-8E39-CA45ACA2D6BD}"/>
+                <a16:creationId xmlns:a16="http://schemas.microsoft.com/office/drawing/2014/main" id="{BFF89ABC-9965-8751-A3E5-1A9DD1136FED}"/>
               </a:ext>
             </a:extLst>
           </p:cNvPr>
@@ -236,7 +236,7 @@
           <p:cNvPr id="4" name="日期占位符 3">
             <a:extLst>
               <a:ext uri="{FF2B5EF4-FFF2-40B4-BE49-F238E27FC236}">
-                <a16:creationId xmlns:a16="http://schemas.microsoft.com/office/drawing/2014/main" id="{2A90F616-7DAC-6BBA-64AF-B445B5035463}"/>
+                <a16:creationId xmlns:a16="http://schemas.microsoft.com/office/drawing/2014/main" id="{B249024A-792F-231E-DB9E-F7F94A97AB04}"/>
               </a:ext>
             </a:extLst>
           </p:cNvPr>
@@ -252,7 +252,7 @@
           <a:bodyPr/>
           <a:lstStyle/>
           <a:p>
-            <a:fld id="{B2500FD3-06E3-46EF-A1B0-A9C72EE17605}" type="datetimeFigureOut">
+            <a:fld id="{31DD365E-ABEC-48B5-9E34-EC3A72688231}" type="datetimeFigureOut">
               <a:rPr lang="zh-CN" altLang="en-US" smtClean="0"/>
               <a:t>2024/3/10</a:t>
             </a:fld>
@@ -265,7 +265,7 @@
           <p:cNvPr id="5" name="页脚占位符 4">
             <a:extLst>
               <a:ext uri="{FF2B5EF4-FFF2-40B4-BE49-F238E27FC236}">
-                <a16:creationId xmlns:a16="http://schemas.microsoft.com/office/drawing/2014/main" id="{46345BC1-E466-F70B-8C31-415B7BDE2C86}"/>
+                <a16:creationId xmlns:a16="http://schemas.microsoft.com/office/drawing/2014/main" id="{89CF1301-9A3A-CD8E-A458-D9620BDF7A3A}"/>
               </a:ext>
             </a:extLst>
           </p:cNvPr>
@@ -290,7 +290,7 @@
           <p:cNvPr id="6" name="灯片编号占位符 5">
             <a:extLst>
               <a:ext uri="{FF2B5EF4-FFF2-40B4-BE49-F238E27FC236}">
-                <a16:creationId xmlns:a16="http://schemas.microsoft.com/office/drawing/2014/main" id="{79E31D2B-79FB-3500-9215-E00C4B3BEBE2}"/>
+                <a16:creationId xmlns:a16="http://schemas.microsoft.com/office/drawing/2014/main" id="{AFD96D3C-C7C1-D145-CF48-CE5971018E9D}"/>
               </a:ext>
             </a:extLst>
           </p:cNvPr>
@@ -306,7 +306,7 @@
           <a:bodyPr/>
           <a:lstStyle/>
           <a:p>
-            <a:fld id="{4221A495-0987-4451-9314-C4D69237B5D4}" type="slidenum">
+            <a:fld id="{110AA9EF-FDA2-41F4-B56F-AAA590D8F953}" type="slidenum">
               <a:rPr lang="zh-CN" altLang="en-US" smtClean="0"/>
               <a:t>‹#›</a:t>
             </a:fld>
@@ -317,7 +317,7 @@
     </p:spTree>
     <p:extLst>
       <p:ext uri="{BB962C8B-B14F-4D97-AF65-F5344CB8AC3E}">
-        <p14:creationId xmlns:p14="http://schemas.microsoft.com/office/powerpoint/2010/main" val="273077277"/>
+        <p14:creationId xmlns:p14="http://schemas.microsoft.com/office/powerpoint/2010/main" val="119216689"/>
       </p:ext>
     </p:extLst>
   </p:cSld>
@@ -349,7 +349,7 @@
           <p:cNvPr id="2" name="标题 1">
             <a:extLst>
               <a:ext uri="{FF2B5EF4-FFF2-40B4-BE49-F238E27FC236}">
-                <a16:creationId xmlns:a16="http://schemas.microsoft.com/office/drawing/2014/main" id="{D3F0B866-B387-020A-766A-D63F49DCBC0E}"/>
+                <a16:creationId xmlns:a16="http://schemas.microsoft.com/office/drawing/2014/main" id="{E7E908F2-1FB9-450B-4501-7BA9BB3AD4A1}"/>
               </a:ext>
             </a:extLst>
           </p:cNvPr>
@@ -377,7 +377,7 @@
           <p:cNvPr id="3" name="竖排文字占位符 2">
             <a:extLst>
               <a:ext uri="{FF2B5EF4-FFF2-40B4-BE49-F238E27FC236}">
-                <a16:creationId xmlns:a16="http://schemas.microsoft.com/office/drawing/2014/main" id="{2B8DAB24-E6BD-9999-4090-ED14F2D32B80}"/>
+                <a16:creationId xmlns:a16="http://schemas.microsoft.com/office/drawing/2014/main" id="{9B0E50D3-3959-F78F-5A04-AD29AF2D68E0}"/>
               </a:ext>
             </a:extLst>
           </p:cNvPr>
@@ -434,7 +434,7 @@
           <p:cNvPr id="4" name="日期占位符 3">
             <a:extLst>
               <a:ext uri="{FF2B5EF4-FFF2-40B4-BE49-F238E27FC236}">
-                <a16:creationId xmlns:a16="http://schemas.microsoft.com/office/drawing/2014/main" id="{5FF35AF1-1655-5E28-F8E8-67D0B0BB5E51}"/>
+                <a16:creationId xmlns:a16="http://schemas.microsoft.com/office/drawing/2014/main" id="{4899A999-4819-34BE-73DC-C35E7AE866C0}"/>
               </a:ext>
             </a:extLst>
           </p:cNvPr>
@@ -450,7 +450,7 @@
           <a:bodyPr/>
           <a:lstStyle/>
           <a:p>
-            <a:fld id="{B2500FD3-06E3-46EF-A1B0-A9C72EE17605}" type="datetimeFigureOut">
+            <a:fld id="{31DD365E-ABEC-48B5-9E34-EC3A72688231}" type="datetimeFigureOut">
               <a:rPr lang="zh-CN" altLang="en-US" smtClean="0"/>
               <a:t>2024/3/10</a:t>
             </a:fld>
@@ -463,7 +463,7 @@
           <p:cNvPr id="5" name="页脚占位符 4">
             <a:extLst>
               <a:ext uri="{FF2B5EF4-FFF2-40B4-BE49-F238E27FC236}">
-                <a16:creationId xmlns:a16="http://schemas.microsoft.com/office/drawing/2014/main" id="{41063C1D-9382-FE1D-8C00-867303273BFB}"/>
+                <a16:creationId xmlns:a16="http://schemas.microsoft.com/office/drawing/2014/main" id="{3E453C37-FBDA-A80C-ACFC-005F329F498F}"/>
               </a:ext>
             </a:extLst>
           </p:cNvPr>
@@ -488,7 +488,7 @@
           <p:cNvPr id="6" name="灯片编号占位符 5">
             <a:extLst>
               <a:ext uri="{FF2B5EF4-FFF2-40B4-BE49-F238E27FC236}">
-                <a16:creationId xmlns:a16="http://schemas.microsoft.com/office/drawing/2014/main" id="{0403BA65-F3CB-BCC6-3AA6-215D277EB613}"/>
+                <a16:creationId xmlns:a16="http://schemas.microsoft.com/office/drawing/2014/main" id="{8BAE2015-58E3-6E4A-F2EC-41593E2E95EC}"/>
               </a:ext>
             </a:extLst>
           </p:cNvPr>
@@ -504,7 +504,7 @@
           <a:bodyPr/>
           <a:lstStyle/>
           <a:p>
-            <a:fld id="{4221A495-0987-4451-9314-C4D69237B5D4}" type="slidenum">
+            <a:fld id="{110AA9EF-FDA2-41F4-B56F-AAA590D8F953}" type="slidenum">
               <a:rPr lang="zh-CN" altLang="en-US" smtClean="0"/>
               <a:t>‹#›</a:t>
             </a:fld>
@@ -515,7 +515,7 @@
     </p:spTree>
     <p:extLst>
       <p:ext uri="{BB962C8B-B14F-4D97-AF65-F5344CB8AC3E}">
-        <p14:creationId xmlns:p14="http://schemas.microsoft.com/office/powerpoint/2010/main" val="1381201153"/>
+        <p14:creationId xmlns:p14="http://schemas.microsoft.com/office/powerpoint/2010/main" val="2618983543"/>
       </p:ext>
     </p:extLst>
   </p:cSld>
@@ -547,7 +547,7 @@
           <p:cNvPr id="2" name="竖排标题 1">
             <a:extLst>
               <a:ext uri="{FF2B5EF4-FFF2-40B4-BE49-F238E27FC236}">
-                <a16:creationId xmlns:a16="http://schemas.microsoft.com/office/drawing/2014/main" id="{47EBD7CF-9C58-152A-6CFB-9C4152E67DD3}"/>
+                <a16:creationId xmlns:a16="http://schemas.microsoft.com/office/drawing/2014/main" id="{CA55A9AE-D256-BC87-C002-F8016F2461B2}"/>
               </a:ext>
             </a:extLst>
           </p:cNvPr>
@@ -580,7 +580,7 @@
           <p:cNvPr id="3" name="竖排文字占位符 2">
             <a:extLst>
               <a:ext uri="{FF2B5EF4-FFF2-40B4-BE49-F238E27FC236}">
-                <a16:creationId xmlns:a16="http://schemas.microsoft.com/office/drawing/2014/main" id="{DC04CFCE-91C9-9616-780F-49B6F981AA6E}"/>
+                <a16:creationId xmlns:a16="http://schemas.microsoft.com/office/drawing/2014/main" id="{560575DB-7D3B-9492-D30F-64A0F544B57B}"/>
               </a:ext>
             </a:extLst>
           </p:cNvPr>
@@ -642,7 +642,7 @@
           <p:cNvPr id="4" name="日期占位符 3">
             <a:extLst>
               <a:ext uri="{FF2B5EF4-FFF2-40B4-BE49-F238E27FC236}">
-                <a16:creationId xmlns:a16="http://schemas.microsoft.com/office/drawing/2014/main" id="{62404D20-9C26-2E1C-5A2A-CF949B3D6039}"/>
+                <a16:creationId xmlns:a16="http://schemas.microsoft.com/office/drawing/2014/main" id="{0EF2A0F3-D16B-4280-59BB-D92C0BBABF1F}"/>
               </a:ext>
             </a:extLst>
           </p:cNvPr>
@@ -658,7 +658,7 @@
           <a:bodyPr/>
           <a:lstStyle/>
           <a:p>
-            <a:fld id="{B2500FD3-06E3-46EF-A1B0-A9C72EE17605}" type="datetimeFigureOut">
+            <a:fld id="{31DD365E-ABEC-48B5-9E34-EC3A72688231}" type="datetimeFigureOut">
               <a:rPr lang="zh-CN" altLang="en-US" smtClean="0"/>
               <a:t>2024/3/10</a:t>
             </a:fld>
@@ -671,7 +671,7 @@
           <p:cNvPr id="5" name="页脚占位符 4">
             <a:extLst>
               <a:ext uri="{FF2B5EF4-FFF2-40B4-BE49-F238E27FC236}">
-                <a16:creationId xmlns:a16="http://schemas.microsoft.com/office/drawing/2014/main" id="{6F51100C-7222-A9D3-9098-336E4B8DF0FA}"/>
+                <a16:creationId xmlns:a16="http://schemas.microsoft.com/office/drawing/2014/main" id="{9ECB2221-35B4-0DD3-A182-B84738A6A9F2}"/>
               </a:ext>
             </a:extLst>
           </p:cNvPr>
@@ -696,7 +696,7 @@
           <p:cNvPr id="6" name="灯片编号占位符 5">
             <a:extLst>
               <a:ext uri="{FF2B5EF4-FFF2-40B4-BE49-F238E27FC236}">
-                <a16:creationId xmlns:a16="http://schemas.microsoft.com/office/drawing/2014/main" id="{700A9A75-4371-83D9-6F8D-B6287040FBE0}"/>
+                <a16:creationId xmlns:a16="http://schemas.microsoft.com/office/drawing/2014/main" id="{FBB199C0-F117-FCB4-16FC-D89E72444F2D}"/>
               </a:ext>
             </a:extLst>
           </p:cNvPr>
@@ -712,7 +712,7 @@
           <a:bodyPr/>
           <a:lstStyle/>
           <a:p>
-            <a:fld id="{4221A495-0987-4451-9314-C4D69237B5D4}" type="slidenum">
+            <a:fld id="{110AA9EF-FDA2-41F4-B56F-AAA590D8F953}" type="slidenum">
               <a:rPr lang="zh-CN" altLang="en-US" smtClean="0"/>
               <a:t>‹#›</a:t>
             </a:fld>
@@ -723,7 +723,7 @@
     </p:spTree>
     <p:extLst>
       <p:ext uri="{BB962C8B-B14F-4D97-AF65-F5344CB8AC3E}">
-        <p14:creationId xmlns:p14="http://schemas.microsoft.com/office/powerpoint/2010/main" val="3091711759"/>
+        <p14:creationId xmlns:p14="http://schemas.microsoft.com/office/powerpoint/2010/main" val="442932677"/>
       </p:ext>
     </p:extLst>
   </p:cSld>
@@ -755,7 +755,7 @@
           <p:cNvPr id="2" name="标题 1">
             <a:extLst>
               <a:ext uri="{FF2B5EF4-FFF2-40B4-BE49-F238E27FC236}">
-                <a16:creationId xmlns:a16="http://schemas.microsoft.com/office/drawing/2014/main" id="{AFB2F3D2-7276-59CE-4168-EF07DB5C7F2C}"/>
+                <a16:creationId xmlns:a16="http://schemas.microsoft.com/office/drawing/2014/main" id="{59F67EC0-4915-41AA-4EAF-15CD0ABE193C}"/>
               </a:ext>
             </a:extLst>
           </p:cNvPr>
@@ -783,7 +783,7 @@
           <p:cNvPr id="3" name="内容占位符 2">
             <a:extLst>
               <a:ext uri="{FF2B5EF4-FFF2-40B4-BE49-F238E27FC236}">
-                <a16:creationId xmlns:a16="http://schemas.microsoft.com/office/drawing/2014/main" id="{B7E70335-E470-E000-9824-EB03F10CA2B1}"/>
+                <a16:creationId xmlns:a16="http://schemas.microsoft.com/office/drawing/2014/main" id="{5450A054-B82D-8FCE-BEBA-2060CFAC2A91}"/>
               </a:ext>
             </a:extLst>
           </p:cNvPr>
@@ -840,7 +840,7 @@
           <p:cNvPr id="4" name="日期占位符 3">
             <a:extLst>
               <a:ext uri="{FF2B5EF4-FFF2-40B4-BE49-F238E27FC236}">
-                <a16:creationId xmlns:a16="http://schemas.microsoft.com/office/drawing/2014/main" id="{6EC136EA-7F94-2D24-958F-39A95FCBC440}"/>
+                <a16:creationId xmlns:a16="http://schemas.microsoft.com/office/drawing/2014/main" id="{0CF638C5-F51A-A2E0-6725-63C49E9CF04E}"/>
               </a:ext>
             </a:extLst>
           </p:cNvPr>
@@ -856,7 +856,7 @@
           <a:bodyPr/>
           <a:lstStyle/>
           <a:p>
-            <a:fld id="{B2500FD3-06E3-46EF-A1B0-A9C72EE17605}" type="datetimeFigureOut">
+            <a:fld id="{31DD365E-ABEC-48B5-9E34-EC3A72688231}" type="datetimeFigureOut">
               <a:rPr lang="zh-CN" altLang="en-US" smtClean="0"/>
               <a:t>2024/3/10</a:t>
             </a:fld>
@@ -869,7 +869,7 @@
           <p:cNvPr id="5" name="页脚占位符 4">
             <a:extLst>
               <a:ext uri="{FF2B5EF4-FFF2-40B4-BE49-F238E27FC236}">
-                <a16:creationId xmlns:a16="http://schemas.microsoft.com/office/drawing/2014/main" id="{7BA33EDA-D918-BBDF-D863-D1B1DB268A52}"/>
+                <a16:creationId xmlns:a16="http://schemas.microsoft.com/office/drawing/2014/main" id="{9AC9311A-43CD-6A28-3351-4F60A56ABDCF}"/>
               </a:ext>
             </a:extLst>
           </p:cNvPr>
@@ -894,7 +894,7 @@
           <p:cNvPr id="6" name="灯片编号占位符 5">
             <a:extLst>
               <a:ext uri="{FF2B5EF4-FFF2-40B4-BE49-F238E27FC236}">
-                <a16:creationId xmlns:a16="http://schemas.microsoft.com/office/drawing/2014/main" id="{98B02033-D913-C171-D5F8-7F6F481C5956}"/>
+                <a16:creationId xmlns:a16="http://schemas.microsoft.com/office/drawing/2014/main" id="{E205177A-6D4F-C322-ADD3-B1D87AA492E7}"/>
               </a:ext>
             </a:extLst>
           </p:cNvPr>
@@ -910,7 +910,7 @@
           <a:bodyPr/>
           <a:lstStyle/>
           <a:p>
-            <a:fld id="{4221A495-0987-4451-9314-C4D69237B5D4}" type="slidenum">
+            <a:fld id="{110AA9EF-FDA2-41F4-B56F-AAA590D8F953}" type="slidenum">
               <a:rPr lang="zh-CN" altLang="en-US" smtClean="0"/>
               <a:t>‹#›</a:t>
             </a:fld>
@@ -921,7 +921,7 @@
     </p:spTree>
     <p:extLst>
       <p:ext uri="{BB962C8B-B14F-4D97-AF65-F5344CB8AC3E}">
-        <p14:creationId xmlns:p14="http://schemas.microsoft.com/office/powerpoint/2010/main" val="405461487"/>
+        <p14:creationId xmlns:p14="http://schemas.microsoft.com/office/powerpoint/2010/main" val="2688565750"/>
       </p:ext>
     </p:extLst>
   </p:cSld>
@@ -953,7 +953,7 @@
           <p:cNvPr id="2" name="标题 1">
             <a:extLst>
               <a:ext uri="{FF2B5EF4-FFF2-40B4-BE49-F238E27FC236}">
-                <a16:creationId xmlns:a16="http://schemas.microsoft.com/office/drawing/2014/main" id="{8BA2C85A-E15F-0C18-8357-59A51F2F98AC}"/>
+                <a16:creationId xmlns:a16="http://schemas.microsoft.com/office/drawing/2014/main" id="{C1AD8A64-CE05-1A8F-0981-71A2267DBE6C}"/>
               </a:ext>
             </a:extLst>
           </p:cNvPr>
@@ -990,7 +990,7 @@
           <p:cNvPr id="3" name="文本占位符 2">
             <a:extLst>
               <a:ext uri="{FF2B5EF4-FFF2-40B4-BE49-F238E27FC236}">
-                <a16:creationId xmlns:a16="http://schemas.microsoft.com/office/drawing/2014/main" id="{779AA7F4-28F3-E2BD-1EBC-BAB7375A0BF2}"/>
+                <a16:creationId xmlns:a16="http://schemas.microsoft.com/office/drawing/2014/main" id="{C05A6010-C862-2C47-EBF1-1BE620ECE02F}"/>
               </a:ext>
             </a:extLst>
           </p:cNvPr>
@@ -1115,7 +1115,7 @@
           <p:cNvPr id="4" name="日期占位符 3">
             <a:extLst>
               <a:ext uri="{FF2B5EF4-FFF2-40B4-BE49-F238E27FC236}">
-                <a16:creationId xmlns:a16="http://schemas.microsoft.com/office/drawing/2014/main" id="{D30E2FA5-90E8-126B-ED48-EA9797C15F5C}"/>
+                <a16:creationId xmlns:a16="http://schemas.microsoft.com/office/drawing/2014/main" id="{B0C7651A-7C6C-A338-4829-47991726DF2D}"/>
               </a:ext>
             </a:extLst>
           </p:cNvPr>
@@ -1131,7 +1131,7 @@
           <a:bodyPr/>
           <a:lstStyle/>
           <a:p>
-            <a:fld id="{B2500FD3-06E3-46EF-A1B0-A9C72EE17605}" type="datetimeFigureOut">
+            <a:fld id="{31DD365E-ABEC-48B5-9E34-EC3A72688231}" type="datetimeFigureOut">
               <a:rPr lang="zh-CN" altLang="en-US" smtClean="0"/>
               <a:t>2024/3/10</a:t>
             </a:fld>
@@ -1144,7 +1144,7 @@
           <p:cNvPr id="5" name="页脚占位符 4">
             <a:extLst>
               <a:ext uri="{FF2B5EF4-FFF2-40B4-BE49-F238E27FC236}">
-                <a16:creationId xmlns:a16="http://schemas.microsoft.com/office/drawing/2014/main" id="{959FECAA-18F4-5500-CB2E-824A64E21641}"/>
+                <a16:creationId xmlns:a16="http://schemas.microsoft.com/office/drawing/2014/main" id="{E4960D90-1CC8-364A-1BE9-24EE281D5F9A}"/>
               </a:ext>
             </a:extLst>
           </p:cNvPr>
@@ -1169,7 +1169,7 @@
           <p:cNvPr id="6" name="灯片编号占位符 5">
             <a:extLst>
               <a:ext uri="{FF2B5EF4-FFF2-40B4-BE49-F238E27FC236}">
-                <a16:creationId xmlns:a16="http://schemas.microsoft.com/office/drawing/2014/main" id="{6C1B9FD6-06ED-2320-73FE-BACAF6C057EC}"/>
+                <a16:creationId xmlns:a16="http://schemas.microsoft.com/office/drawing/2014/main" id="{B3C41AC8-8ACC-FCD2-8828-1DD8AF42A5A8}"/>
               </a:ext>
             </a:extLst>
           </p:cNvPr>
@@ -1185,7 +1185,7 @@
           <a:bodyPr/>
           <a:lstStyle/>
           <a:p>
-            <a:fld id="{4221A495-0987-4451-9314-C4D69237B5D4}" type="slidenum">
+            <a:fld id="{110AA9EF-FDA2-41F4-B56F-AAA590D8F953}" type="slidenum">
               <a:rPr lang="zh-CN" altLang="en-US" smtClean="0"/>
               <a:t>‹#›</a:t>
             </a:fld>
@@ -1196,7 +1196,7 @@
     </p:spTree>
     <p:extLst>
       <p:ext uri="{BB962C8B-B14F-4D97-AF65-F5344CB8AC3E}">
-        <p14:creationId xmlns:p14="http://schemas.microsoft.com/office/powerpoint/2010/main" val="1400602458"/>
+        <p14:creationId xmlns:p14="http://schemas.microsoft.com/office/powerpoint/2010/main" val="1936705770"/>
       </p:ext>
     </p:extLst>
   </p:cSld>
@@ -1228,7 +1228,7 @@
           <p:cNvPr id="2" name="标题 1">
             <a:extLst>
               <a:ext uri="{FF2B5EF4-FFF2-40B4-BE49-F238E27FC236}">
-                <a16:creationId xmlns:a16="http://schemas.microsoft.com/office/drawing/2014/main" id="{45D95F6F-3755-1D19-1FFF-2A2949259611}"/>
+                <a16:creationId xmlns:a16="http://schemas.microsoft.com/office/drawing/2014/main" id="{BC15A64D-DA89-9EB0-04D2-EE76B25B1DCE}"/>
               </a:ext>
             </a:extLst>
           </p:cNvPr>
@@ -1256,7 +1256,7 @@
           <p:cNvPr id="3" name="内容占位符 2">
             <a:extLst>
               <a:ext uri="{FF2B5EF4-FFF2-40B4-BE49-F238E27FC236}">
-                <a16:creationId xmlns:a16="http://schemas.microsoft.com/office/drawing/2014/main" id="{6980BFE3-11F1-DB7C-A4DF-FD4665C3C961}"/>
+                <a16:creationId xmlns:a16="http://schemas.microsoft.com/office/drawing/2014/main" id="{A5D9EA83-9E0A-2890-2415-BAC316A70025}"/>
               </a:ext>
             </a:extLst>
           </p:cNvPr>
@@ -1318,7 +1318,7 @@
           <p:cNvPr id="4" name="内容占位符 3">
             <a:extLst>
               <a:ext uri="{FF2B5EF4-FFF2-40B4-BE49-F238E27FC236}">
-                <a16:creationId xmlns:a16="http://schemas.microsoft.com/office/drawing/2014/main" id="{0409A9E5-875A-9767-24F6-D37486CC2FAE}"/>
+                <a16:creationId xmlns:a16="http://schemas.microsoft.com/office/drawing/2014/main" id="{05BDEB09-A9FF-5548-0197-DEB90DB17E00}"/>
               </a:ext>
             </a:extLst>
           </p:cNvPr>
@@ -1380,7 +1380,7 @@
           <p:cNvPr id="5" name="日期占位符 4">
             <a:extLst>
               <a:ext uri="{FF2B5EF4-FFF2-40B4-BE49-F238E27FC236}">
-                <a16:creationId xmlns:a16="http://schemas.microsoft.com/office/drawing/2014/main" id="{6FDF3700-718C-165F-22DE-C9A504090FDA}"/>
+                <a16:creationId xmlns:a16="http://schemas.microsoft.com/office/drawing/2014/main" id="{D659C159-4218-349E-9F91-B1C2BB051733}"/>
               </a:ext>
             </a:extLst>
           </p:cNvPr>
@@ -1396,7 +1396,7 @@
           <a:bodyPr/>
           <a:lstStyle/>
           <a:p>
-            <a:fld id="{B2500FD3-06E3-46EF-A1B0-A9C72EE17605}" type="datetimeFigureOut">
+            <a:fld id="{31DD365E-ABEC-48B5-9E34-EC3A72688231}" type="datetimeFigureOut">
               <a:rPr lang="zh-CN" altLang="en-US" smtClean="0"/>
               <a:t>2024/3/10</a:t>
             </a:fld>
@@ -1409,7 +1409,7 @@
           <p:cNvPr id="6" name="页脚占位符 5">
             <a:extLst>
               <a:ext uri="{FF2B5EF4-FFF2-40B4-BE49-F238E27FC236}">
-                <a16:creationId xmlns:a16="http://schemas.microsoft.com/office/drawing/2014/main" id="{7677CA01-1549-8E09-0DB5-B08AF2BA0374}"/>
+                <a16:creationId xmlns:a16="http://schemas.microsoft.com/office/drawing/2014/main" id="{63593203-0A01-DA39-7534-B586B30D557D}"/>
               </a:ext>
             </a:extLst>
           </p:cNvPr>
@@ -1434,7 +1434,7 @@
           <p:cNvPr id="7" name="灯片编号占位符 6">
             <a:extLst>
               <a:ext uri="{FF2B5EF4-FFF2-40B4-BE49-F238E27FC236}">
-                <a16:creationId xmlns:a16="http://schemas.microsoft.com/office/drawing/2014/main" id="{81270B75-BBED-6429-926D-674C5F12F884}"/>
+                <a16:creationId xmlns:a16="http://schemas.microsoft.com/office/drawing/2014/main" id="{FD37561C-12DA-25A8-59F0-A4B36253EBE7}"/>
               </a:ext>
             </a:extLst>
           </p:cNvPr>
@@ -1450,7 +1450,7 @@
           <a:bodyPr/>
           <a:lstStyle/>
           <a:p>
-            <a:fld id="{4221A495-0987-4451-9314-C4D69237B5D4}" type="slidenum">
+            <a:fld id="{110AA9EF-FDA2-41F4-B56F-AAA590D8F953}" type="slidenum">
               <a:rPr lang="zh-CN" altLang="en-US" smtClean="0"/>
               <a:t>‹#›</a:t>
             </a:fld>
@@ -1461,7 +1461,7 @@
     </p:spTree>
     <p:extLst>
       <p:ext uri="{BB962C8B-B14F-4D97-AF65-F5344CB8AC3E}">
-        <p14:creationId xmlns:p14="http://schemas.microsoft.com/office/powerpoint/2010/main" val="1086867781"/>
+        <p14:creationId xmlns:p14="http://schemas.microsoft.com/office/powerpoint/2010/main" val="365791430"/>
       </p:ext>
     </p:extLst>
   </p:cSld>
@@ -1493,7 +1493,7 @@
           <p:cNvPr id="2" name="标题 1">
             <a:extLst>
               <a:ext uri="{FF2B5EF4-FFF2-40B4-BE49-F238E27FC236}">
-                <a16:creationId xmlns:a16="http://schemas.microsoft.com/office/drawing/2014/main" id="{59DD7344-E935-7DC3-A8A3-580BD26D65E3}"/>
+                <a16:creationId xmlns:a16="http://schemas.microsoft.com/office/drawing/2014/main" id="{5CB5DBC7-D88F-BF70-0B1A-370FB0B0F319}"/>
               </a:ext>
             </a:extLst>
           </p:cNvPr>
@@ -1526,7 +1526,7 @@
           <p:cNvPr id="3" name="文本占位符 2">
             <a:extLst>
               <a:ext uri="{FF2B5EF4-FFF2-40B4-BE49-F238E27FC236}">
-                <a16:creationId xmlns:a16="http://schemas.microsoft.com/office/drawing/2014/main" id="{DF7BF6B6-FBD9-E00B-6B4E-A705D3FE7C3B}"/>
+                <a16:creationId xmlns:a16="http://schemas.microsoft.com/office/drawing/2014/main" id="{D6DB97EF-E43B-89AA-5CA1-3514DC462ABF}"/>
               </a:ext>
             </a:extLst>
           </p:cNvPr>
@@ -1597,7 +1597,7 @@
           <p:cNvPr id="4" name="内容占位符 3">
             <a:extLst>
               <a:ext uri="{FF2B5EF4-FFF2-40B4-BE49-F238E27FC236}">
-                <a16:creationId xmlns:a16="http://schemas.microsoft.com/office/drawing/2014/main" id="{98D6A0DE-38A8-7178-69D8-EC039B9FFF4D}"/>
+                <a16:creationId xmlns:a16="http://schemas.microsoft.com/office/drawing/2014/main" id="{59A19871-9EC0-364F-8948-4D5F6414640F}"/>
               </a:ext>
             </a:extLst>
           </p:cNvPr>
@@ -1659,7 +1659,7 @@
           <p:cNvPr id="5" name="文本占位符 4">
             <a:extLst>
               <a:ext uri="{FF2B5EF4-FFF2-40B4-BE49-F238E27FC236}">
-                <a16:creationId xmlns:a16="http://schemas.microsoft.com/office/drawing/2014/main" id="{8FED5551-CF57-A485-ADFC-4B9751606161}"/>
+                <a16:creationId xmlns:a16="http://schemas.microsoft.com/office/drawing/2014/main" id="{FD13FA3B-8917-1365-C74A-479F7B4B79BB}"/>
               </a:ext>
             </a:extLst>
           </p:cNvPr>
@@ -1730,7 +1730,7 @@
           <p:cNvPr id="6" name="内容占位符 5">
             <a:extLst>
               <a:ext uri="{FF2B5EF4-FFF2-40B4-BE49-F238E27FC236}">
-                <a16:creationId xmlns:a16="http://schemas.microsoft.com/office/drawing/2014/main" id="{BC6B1F97-48B9-6DDF-6BC4-2EDDD75971F0}"/>
+                <a16:creationId xmlns:a16="http://schemas.microsoft.com/office/drawing/2014/main" id="{08254108-12C4-0B99-510C-8ED7E747DD57}"/>
               </a:ext>
             </a:extLst>
           </p:cNvPr>
@@ -1792,7 +1792,7 @@
           <p:cNvPr id="7" name="日期占位符 6">
             <a:extLst>
               <a:ext uri="{FF2B5EF4-FFF2-40B4-BE49-F238E27FC236}">
-                <a16:creationId xmlns:a16="http://schemas.microsoft.com/office/drawing/2014/main" id="{57A7D66C-8947-EE4E-FB2C-9BCB42C85D82}"/>
+                <a16:creationId xmlns:a16="http://schemas.microsoft.com/office/drawing/2014/main" id="{AE337893-8501-6D80-48D1-8C9FB0A1D208}"/>
               </a:ext>
             </a:extLst>
           </p:cNvPr>
@@ -1808,7 +1808,7 @@
           <a:bodyPr/>
           <a:lstStyle/>
           <a:p>
-            <a:fld id="{B2500FD3-06E3-46EF-A1B0-A9C72EE17605}" type="datetimeFigureOut">
+            <a:fld id="{31DD365E-ABEC-48B5-9E34-EC3A72688231}" type="datetimeFigureOut">
               <a:rPr lang="zh-CN" altLang="en-US" smtClean="0"/>
               <a:t>2024/3/10</a:t>
             </a:fld>
@@ -1821,7 +1821,7 @@
           <p:cNvPr id="8" name="页脚占位符 7">
             <a:extLst>
               <a:ext uri="{FF2B5EF4-FFF2-40B4-BE49-F238E27FC236}">
-                <a16:creationId xmlns:a16="http://schemas.microsoft.com/office/drawing/2014/main" id="{63561885-017F-B82C-85CC-452D6A5E1CEA}"/>
+                <a16:creationId xmlns:a16="http://schemas.microsoft.com/office/drawing/2014/main" id="{0D60FF97-696E-EB9A-63DF-AFDF470D68E4}"/>
               </a:ext>
             </a:extLst>
           </p:cNvPr>
@@ -1846,7 +1846,7 @@
           <p:cNvPr id="9" name="灯片编号占位符 8">
             <a:extLst>
               <a:ext uri="{FF2B5EF4-FFF2-40B4-BE49-F238E27FC236}">
-                <a16:creationId xmlns:a16="http://schemas.microsoft.com/office/drawing/2014/main" id="{E4EC116C-0367-A31B-9441-5EA91E83957A}"/>
+                <a16:creationId xmlns:a16="http://schemas.microsoft.com/office/drawing/2014/main" id="{173D91E4-A452-6DEC-9310-B51BC81CDB57}"/>
               </a:ext>
             </a:extLst>
           </p:cNvPr>
@@ -1862,7 +1862,7 @@
           <a:bodyPr/>
           <a:lstStyle/>
           <a:p>
-            <a:fld id="{4221A495-0987-4451-9314-C4D69237B5D4}" type="slidenum">
+            <a:fld id="{110AA9EF-FDA2-41F4-B56F-AAA590D8F953}" type="slidenum">
               <a:rPr lang="zh-CN" altLang="en-US" smtClean="0"/>
               <a:t>‹#›</a:t>
             </a:fld>
@@ -1873,7 +1873,7 @@
     </p:spTree>
     <p:extLst>
       <p:ext uri="{BB962C8B-B14F-4D97-AF65-F5344CB8AC3E}">
-        <p14:creationId xmlns:p14="http://schemas.microsoft.com/office/powerpoint/2010/main" val="733607496"/>
+        <p14:creationId xmlns:p14="http://schemas.microsoft.com/office/powerpoint/2010/main" val="1817922487"/>
       </p:ext>
     </p:extLst>
   </p:cSld>
@@ -1905,7 +1905,7 @@
           <p:cNvPr id="2" name="标题 1">
             <a:extLst>
               <a:ext uri="{FF2B5EF4-FFF2-40B4-BE49-F238E27FC236}">
-                <a16:creationId xmlns:a16="http://schemas.microsoft.com/office/drawing/2014/main" id="{426C14FD-07CF-65FD-ABD5-E7362756AD2C}"/>
+                <a16:creationId xmlns:a16="http://schemas.microsoft.com/office/drawing/2014/main" id="{DD1FE454-2F35-80E6-D828-0B43C3EAF9EC}"/>
               </a:ext>
             </a:extLst>
           </p:cNvPr>
@@ -1933,7 +1933,7 @@
           <p:cNvPr id="3" name="日期占位符 2">
             <a:extLst>
               <a:ext uri="{FF2B5EF4-FFF2-40B4-BE49-F238E27FC236}">
-                <a16:creationId xmlns:a16="http://schemas.microsoft.com/office/drawing/2014/main" id="{36A0634D-2CDC-4591-40D3-352F022F9B5E}"/>
+                <a16:creationId xmlns:a16="http://schemas.microsoft.com/office/drawing/2014/main" id="{1A3B7C0D-4556-7017-F251-D17897B6B3AD}"/>
               </a:ext>
             </a:extLst>
           </p:cNvPr>
@@ -1949,7 +1949,7 @@
           <a:bodyPr/>
           <a:lstStyle/>
           <a:p>
-            <a:fld id="{B2500FD3-06E3-46EF-A1B0-A9C72EE17605}" type="datetimeFigureOut">
+            <a:fld id="{31DD365E-ABEC-48B5-9E34-EC3A72688231}" type="datetimeFigureOut">
               <a:rPr lang="zh-CN" altLang="en-US" smtClean="0"/>
               <a:t>2024/3/10</a:t>
             </a:fld>
@@ -1962,7 +1962,7 @@
           <p:cNvPr id="4" name="页脚占位符 3">
             <a:extLst>
               <a:ext uri="{FF2B5EF4-FFF2-40B4-BE49-F238E27FC236}">
-                <a16:creationId xmlns:a16="http://schemas.microsoft.com/office/drawing/2014/main" id="{96D40C02-5905-05BB-FE94-BE149B481AB6}"/>
+                <a16:creationId xmlns:a16="http://schemas.microsoft.com/office/drawing/2014/main" id="{30560FFF-EE0A-716C-A67A-3B0307B2AF67}"/>
               </a:ext>
             </a:extLst>
           </p:cNvPr>
@@ -1987,7 +1987,7 @@
           <p:cNvPr id="5" name="灯片编号占位符 4">
             <a:extLst>
               <a:ext uri="{FF2B5EF4-FFF2-40B4-BE49-F238E27FC236}">
-                <a16:creationId xmlns:a16="http://schemas.microsoft.com/office/drawing/2014/main" id="{1BDFA33A-D6E7-C083-1C69-765545B0BC2F}"/>
+                <a16:creationId xmlns:a16="http://schemas.microsoft.com/office/drawing/2014/main" id="{4EB384BA-703F-D594-B750-6347CD0886A3}"/>
               </a:ext>
             </a:extLst>
           </p:cNvPr>
@@ -2003,7 +2003,7 @@
           <a:bodyPr/>
           <a:lstStyle/>
           <a:p>
-            <a:fld id="{4221A495-0987-4451-9314-C4D69237B5D4}" type="slidenum">
+            <a:fld id="{110AA9EF-FDA2-41F4-B56F-AAA590D8F953}" type="slidenum">
               <a:rPr lang="zh-CN" altLang="en-US" smtClean="0"/>
               <a:t>‹#›</a:t>
             </a:fld>
@@ -2014,7 +2014,7 @@
     </p:spTree>
     <p:extLst>
       <p:ext uri="{BB962C8B-B14F-4D97-AF65-F5344CB8AC3E}">
-        <p14:creationId xmlns:p14="http://schemas.microsoft.com/office/powerpoint/2010/main" val="2305766198"/>
+        <p14:creationId xmlns:p14="http://schemas.microsoft.com/office/powerpoint/2010/main" val="2089576010"/>
       </p:ext>
     </p:extLst>
   </p:cSld>
@@ -2046,7 +2046,7 @@
           <p:cNvPr id="2" name="日期占位符 1">
             <a:extLst>
               <a:ext uri="{FF2B5EF4-FFF2-40B4-BE49-F238E27FC236}">
-                <a16:creationId xmlns:a16="http://schemas.microsoft.com/office/drawing/2014/main" id="{75E92102-8CA3-6428-1581-2A6F7B285EC5}"/>
+                <a16:creationId xmlns:a16="http://schemas.microsoft.com/office/drawing/2014/main" id="{642A4DF7-AD33-4D00-2AB0-A738F79225D4}"/>
               </a:ext>
             </a:extLst>
           </p:cNvPr>
@@ -2062,7 +2062,7 @@
           <a:bodyPr/>
           <a:lstStyle/>
           <a:p>
-            <a:fld id="{B2500FD3-06E3-46EF-A1B0-A9C72EE17605}" type="datetimeFigureOut">
+            <a:fld id="{31DD365E-ABEC-48B5-9E34-EC3A72688231}" type="datetimeFigureOut">
               <a:rPr lang="zh-CN" altLang="en-US" smtClean="0"/>
               <a:t>2024/3/10</a:t>
             </a:fld>
@@ -2075,7 +2075,7 @@
           <p:cNvPr id="3" name="页脚占位符 2">
             <a:extLst>
               <a:ext uri="{FF2B5EF4-FFF2-40B4-BE49-F238E27FC236}">
-                <a16:creationId xmlns:a16="http://schemas.microsoft.com/office/drawing/2014/main" id="{0557CB7C-1243-D07F-4502-D9C9B83B2434}"/>
+                <a16:creationId xmlns:a16="http://schemas.microsoft.com/office/drawing/2014/main" id="{525A4BC0-A911-BE58-322E-3D1748BE40CC}"/>
               </a:ext>
             </a:extLst>
           </p:cNvPr>
@@ -2100,7 +2100,7 @@
           <p:cNvPr id="4" name="灯片编号占位符 3">
             <a:extLst>
               <a:ext uri="{FF2B5EF4-FFF2-40B4-BE49-F238E27FC236}">
-                <a16:creationId xmlns:a16="http://schemas.microsoft.com/office/drawing/2014/main" id="{673061EB-D7A2-BFFE-E25D-E1AB56EFB19C}"/>
+                <a16:creationId xmlns:a16="http://schemas.microsoft.com/office/drawing/2014/main" id="{D7218E3A-31E7-BC8E-2C48-70FD26C49999}"/>
               </a:ext>
             </a:extLst>
           </p:cNvPr>
@@ -2116,7 +2116,7 @@
           <a:bodyPr/>
           <a:lstStyle/>
           <a:p>
-            <a:fld id="{4221A495-0987-4451-9314-C4D69237B5D4}" type="slidenum">
+            <a:fld id="{110AA9EF-FDA2-41F4-B56F-AAA590D8F953}" type="slidenum">
               <a:rPr lang="zh-CN" altLang="en-US" smtClean="0"/>
               <a:t>‹#›</a:t>
             </a:fld>
@@ -2127,7 +2127,7 @@
     </p:spTree>
     <p:extLst>
       <p:ext uri="{BB962C8B-B14F-4D97-AF65-F5344CB8AC3E}">
-        <p14:creationId xmlns:p14="http://schemas.microsoft.com/office/powerpoint/2010/main" val="2246673256"/>
+        <p14:creationId xmlns:p14="http://schemas.microsoft.com/office/powerpoint/2010/main" val="1472012391"/>
       </p:ext>
     </p:extLst>
   </p:cSld>
@@ -2159,7 +2159,7 @@
           <p:cNvPr id="2" name="标题 1">
             <a:extLst>
               <a:ext uri="{FF2B5EF4-FFF2-40B4-BE49-F238E27FC236}">
-                <a16:creationId xmlns:a16="http://schemas.microsoft.com/office/drawing/2014/main" id="{7C4D1C7D-E45F-1EE3-1A17-7E3865101B01}"/>
+                <a16:creationId xmlns:a16="http://schemas.microsoft.com/office/drawing/2014/main" id="{3AF70971-A87D-3BCF-EE94-3C7AF047404C}"/>
               </a:ext>
             </a:extLst>
           </p:cNvPr>
@@ -2196,7 +2196,7 @@
           <p:cNvPr id="3" name="内容占位符 2">
             <a:extLst>
               <a:ext uri="{FF2B5EF4-FFF2-40B4-BE49-F238E27FC236}">
-                <a16:creationId xmlns:a16="http://schemas.microsoft.com/office/drawing/2014/main" id="{88D99C3E-504F-2D09-D33F-0B574AD02F8F}"/>
+                <a16:creationId xmlns:a16="http://schemas.microsoft.com/office/drawing/2014/main" id="{B881F1A2-AEDA-B8FA-4636-607777AAC6B5}"/>
               </a:ext>
             </a:extLst>
           </p:cNvPr>
@@ -2286,7 +2286,7 @@
           <p:cNvPr id="4" name="文本占位符 3">
             <a:extLst>
               <a:ext uri="{FF2B5EF4-FFF2-40B4-BE49-F238E27FC236}">
-                <a16:creationId xmlns:a16="http://schemas.microsoft.com/office/drawing/2014/main" id="{C0E35B2E-686D-9D07-6F55-AAC016A3959A}"/>
+                <a16:creationId xmlns:a16="http://schemas.microsoft.com/office/drawing/2014/main" id="{44436170-2526-4377-E34B-7CE80C7D19B1}"/>
               </a:ext>
             </a:extLst>
           </p:cNvPr>
@@ -2357,7 +2357,7 @@
           <p:cNvPr id="5" name="日期占位符 4">
             <a:extLst>
               <a:ext uri="{FF2B5EF4-FFF2-40B4-BE49-F238E27FC236}">
-                <a16:creationId xmlns:a16="http://schemas.microsoft.com/office/drawing/2014/main" id="{4FA3BB26-8E37-FED9-A774-4605144CCE5B}"/>
+                <a16:creationId xmlns:a16="http://schemas.microsoft.com/office/drawing/2014/main" id="{42A112CB-15A1-88AB-EA13-629554385512}"/>
               </a:ext>
             </a:extLst>
           </p:cNvPr>
@@ -2373,7 +2373,7 @@
           <a:bodyPr/>
           <a:lstStyle/>
           <a:p>
-            <a:fld id="{B2500FD3-06E3-46EF-A1B0-A9C72EE17605}" type="datetimeFigureOut">
+            <a:fld id="{31DD365E-ABEC-48B5-9E34-EC3A72688231}" type="datetimeFigureOut">
               <a:rPr lang="zh-CN" altLang="en-US" smtClean="0"/>
               <a:t>2024/3/10</a:t>
             </a:fld>
@@ -2386,7 +2386,7 @@
           <p:cNvPr id="6" name="页脚占位符 5">
             <a:extLst>
               <a:ext uri="{FF2B5EF4-FFF2-40B4-BE49-F238E27FC236}">
-                <a16:creationId xmlns:a16="http://schemas.microsoft.com/office/drawing/2014/main" id="{F3565380-65EC-B837-CB66-C27AAC2D2711}"/>
+                <a16:creationId xmlns:a16="http://schemas.microsoft.com/office/drawing/2014/main" id="{EF7995AC-90EC-60A0-081E-E830D1C0CCB1}"/>
               </a:ext>
             </a:extLst>
           </p:cNvPr>
@@ -2411,7 +2411,7 @@
           <p:cNvPr id="7" name="灯片编号占位符 6">
             <a:extLst>
               <a:ext uri="{FF2B5EF4-FFF2-40B4-BE49-F238E27FC236}">
-                <a16:creationId xmlns:a16="http://schemas.microsoft.com/office/drawing/2014/main" id="{2CEEB8F1-3C44-B7D0-9147-33CFCF1DE164}"/>
+                <a16:creationId xmlns:a16="http://schemas.microsoft.com/office/drawing/2014/main" id="{0457F3CC-A880-5E7E-FF2E-BC6BBD6C39CB}"/>
               </a:ext>
             </a:extLst>
           </p:cNvPr>
@@ -2427,7 +2427,7 @@
           <a:bodyPr/>
           <a:lstStyle/>
           <a:p>
-            <a:fld id="{4221A495-0987-4451-9314-C4D69237B5D4}" type="slidenum">
+            <a:fld id="{110AA9EF-FDA2-41F4-B56F-AAA590D8F953}" type="slidenum">
               <a:rPr lang="zh-CN" altLang="en-US" smtClean="0"/>
               <a:t>‹#›</a:t>
             </a:fld>
@@ -2438,7 +2438,7 @@
     </p:spTree>
     <p:extLst>
       <p:ext uri="{BB962C8B-B14F-4D97-AF65-F5344CB8AC3E}">
-        <p14:creationId xmlns:p14="http://schemas.microsoft.com/office/powerpoint/2010/main" val="1343719747"/>
+        <p14:creationId xmlns:p14="http://schemas.microsoft.com/office/powerpoint/2010/main" val="2024685145"/>
       </p:ext>
     </p:extLst>
   </p:cSld>
@@ -2470,7 +2470,7 @@
           <p:cNvPr id="2" name="标题 1">
             <a:extLst>
               <a:ext uri="{FF2B5EF4-FFF2-40B4-BE49-F238E27FC236}">
-                <a16:creationId xmlns:a16="http://schemas.microsoft.com/office/drawing/2014/main" id="{BBA33A66-864B-D91F-B43C-5437A3305E41}"/>
+                <a16:creationId xmlns:a16="http://schemas.microsoft.com/office/drawing/2014/main" id="{991D6927-98E1-BB45-8125-46DD40AA17A2}"/>
               </a:ext>
             </a:extLst>
           </p:cNvPr>
@@ -2507,7 +2507,7 @@
           <p:cNvPr id="3" name="图片占位符 2">
             <a:extLst>
               <a:ext uri="{FF2B5EF4-FFF2-40B4-BE49-F238E27FC236}">
-                <a16:creationId xmlns:a16="http://schemas.microsoft.com/office/drawing/2014/main" id="{9319467A-A907-492E-88C9-6A8F7B98AF31}"/>
+                <a16:creationId xmlns:a16="http://schemas.microsoft.com/office/drawing/2014/main" id="{285C76EE-4A64-BF6E-5130-9BF884813449}"/>
               </a:ext>
             </a:extLst>
           </p:cNvPr>
@@ -2574,7 +2574,7 @@
           <p:cNvPr id="4" name="文本占位符 3">
             <a:extLst>
               <a:ext uri="{FF2B5EF4-FFF2-40B4-BE49-F238E27FC236}">
-                <a16:creationId xmlns:a16="http://schemas.microsoft.com/office/drawing/2014/main" id="{70850C66-D5F1-8222-D623-0FD2F15D2CB5}"/>
+                <a16:creationId xmlns:a16="http://schemas.microsoft.com/office/drawing/2014/main" id="{FCF0EA6B-B62E-D3B9-C66C-850C23B38EEC}"/>
               </a:ext>
             </a:extLst>
           </p:cNvPr>
@@ -2645,7 +2645,7 @@
           <p:cNvPr id="5" name="日期占位符 4">
             <a:extLst>
               <a:ext uri="{FF2B5EF4-FFF2-40B4-BE49-F238E27FC236}">
-                <a16:creationId xmlns:a16="http://schemas.microsoft.com/office/drawing/2014/main" id="{89CC4893-F039-658A-368C-396EF6512538}"/>
+                <a16:creationId xmlns:a16="http://schemas.microsoft.com/office/drawing/2014/main" id="{A720AC86-4F98-6B45-B957-8145698E9002}"/>
               </a:ext>
             </a:extLst>
           </p:cNvPr>
@@ -2661,7 +2661,7 @@
           <a:bodyPr/>
           <a:lstStyle/>
           <a:p>
-            <a:fld id="{B2500FD3-06E3-46EF-A1B0-A9C72EE17605}" type="datetimeFigureOut">
+            <a:fld id="{31DD365E-ABEC-48B5-9E34-EC3A72688231}" type="datetimeFigureOut">
               <a:rPr lang="zh-CN" altLang="en-US" smtClean="0"/>
               <a:t>2024/3/10</a:t>
             </a:fld>
@@ -2674,7 +2674,7 @@
           <p:cNvPr id="6" name="页脚占位符 5">
             <a:extLst>
               <a:ext uri="{FF2B5EF4-FFF2-40B4-BE49-F238E27FC236}">
-                <a16:creationId xmlns:a16="http://schemas.microsoft.com/office/drawing/2014/main" id="{0750E13B-9B4E-90A8-E78F-B1C25FF28860}"/>
+                <a16:creationId xmlns:a16="http://schemas.microsoft.com/office/drawing/2014/main" id="{0B24EBE8-98D0-D639-3F07-FEFCDE51669E}"/>
               </a:ext>
             </a:extLst>
           </p:cNvPr>
@@ -2699,7 +2699,7 @@
           <p:cNvPr id="7" name="灯片编号占位符 6">
             <a:extLst>
               <a:ext uri="{FF2B5EF4-FFF2-40B4-BE49-F238E27FC236}">
-                <a16:creationId xmlns:a16="http://schemas.microsoft.com/office/drawing/2014/main" id="{C2BA06B3-00CD-097B-D5DB-87BB6720AA48}"/>
+                <a16:creationId xmlns:a16="http://schemas.microsoft.com/office/drawing/2014/main" id="{421254DA-77F1-E052-2C83-F8DF4D0C263F}"/>
               </a:ext>
             </a:extLst>
           </p:cNvPr>
@@ -2715,7 +2715,7 @@
           <a:bodyPr/>
           <a:lstStyle/>
           <a:p>
-            <a:fld id="{4221A495-0987-4451-9314-C4D69237B5D4}" type="slidenum">
+            <a:fld id="{110AA9EF-FDA2-41F4-B56F-AAA590D8F953}" type="slidenum">
               <a:rPr lang="zh-CN" altLang="en-US" smtClean="0"/>
               <a:t>‹#›</a:t>
             </a:fld>
@@ -2726,7 +2726,7 @@
     </p:spTree>
     <p:extLst>
       <p:ext uri="{BB962C8B-B14F-4D97-AF65-F5344CB8AC3E}">
-        <p14:creationId xmlns:p14="http://schemas.microsoft.com/office/powerpoint/2010/main" val="2116068814"/>
+        <p14:creationId xmlns:p14="http://schemas.microsoft.com/office/powerpoint/2010/main" val="3320794302"/>
       </p:ext>
     </p:extLst>
   </p:cSld>
@@ -2763,7 +2763,7 @@
           <p:cNvPr id="2" name="标题占位符 1">
             <a:extLst>
               <a:ext uri="{FF2B5EF4-FFF2-40B4-BE49-F238E27FC236}">
-                <a16:creationId xmlns:a16="http://schemas.microsoft.com/office/drawing/2014/main" id="{3F2E1F86-B731-F219-BB60-2593BDF4C03A}"/>
+                <a16:creationId xmlns:a16="http://schemas.microsoft.com/office/drawing/2014/main" id="{74676DDD-D352-8A60-E0EE-B806FAEC7AE2}"/>
               </a:ext>
             </a:extLst>
           </p:cNvPr>
@@ -2801,7 +2801,7 @@
           <p:cNvPr id="3" name="文本占位符 2">
             <a:extLst>
               <a:ext uri="{FF2B5EF4-FFF2-40B4-BE49-F238E27FC236}">
-                <a16:creationId xmlns:a16="http://schemas.microsoft.com/office/drawing/2014/main" id="{51D510F8-FAFE-43EF-803F-5FC512074C31}"/>
+                <a16:creationId xmlns:a16="http://schemas.microsoft.com/office/drawing/2014/main" id="{F45791B8-694D-7F49-4A2D-E6A9826CAA5D}"/>
               </a:ext>
             </a:extLst>
           </p:cNvPr>
@@ -2868,7 +2868,7 @@
           <p:cNvPr id="4" name="日期占位符 3">
             <a:extLst>
               <a:ext uri="{FF2B5EF4-FFF2-40B4-BE49-F238E27FC236}">
-                <a16:creationId xmlns:a16="http://schemas.microsoft.com/office/drawing/2014/main" id="{381EE658-E613-EE82-299C-28CB4581504F}"/>
+                <a16:creationId xmlns:a16="http://schemas.microsoft.com/office/drawing/2014/main" id="{5FCCB464-3F70-A7D9-5DE7-EF651F085538}"/>
               </a:ext>
             </a:extLst>
           </p:cNvPr>
@@ -2902,7 +2902,7 @@
             </a:lvl1pPr>
           </a:lstStyle>
           <a:p>
-            <a:fld id="{B2500FD3-06E3-46EF-A1B0-A9C72EE17605}" type="datetimeFigureOut">
+            <a:fld id="{31DD365E-ABEC-48B5-9E34-EC3A72688231}" type="datetimeFigureOut">
               <a:rPr lang="zh-CN" altLang="en-US" smtClean="0"/>
               <a:t>2024/3/10</a:t>
             </a:fld>
@@ -2915,7 +2915,7 @@
           <p:cNvPr id="5" name="页脚占位符 4">
             <a:extLst>
               <a:ext uri="{FF2B5EF4-FFF2-40B4-BE49-F238E27FC236}">
-                <a16:creationId xmlns:a16="http://schemas.microsoft.com/office/drawing/2014/main" id="{F7236B42-EBC9-F404-8A6A-8AA8DD4C739B}"/>
+                <a16:creationId xmlns:a16="http://schemas.microsoft.com/office/drawing/2014/main" id="{55BD006B-9BF3-D143-3BAE-F2BC8032D86E}"/>
               </a:ext>
             </a:extLst>
           </p:cNvPr>
@@ -2958,7 +2958,7 @@
           <p:cNvPr id="6" name="灯片编号占位符 5">
             <a:extLst>
               <a:ext uri="{FF2B5EF4-FFF2-40B4-BE49-F238E27FC236}">
-                <a16:creationId xmlns:a16="http://schemas.microsoft.com/office/drawing/2014/main" id="{62B337DF-53BB-8734-56CB-3E07F02293C6}"/>
+                <a16:creationId xmlns:a16="http://schemas.microsoft.com/office/drawing/2014/main" id="{9B79CE2F-8DF7-8A7F-75A4-095F554D35EA}"/>
               </a:ext>
             </a:extLst>
           </p:cNvPr>
@@ -2992,7 +2992,7 @@
             </a:lvl1pPr>
           </a:lstStyle>
           <a:p>
-            <a:fld id="{4221A495-0987-4451-9314-C4D69237B5D4}" type="slidenum">
+            <a:fld id="{110AA9EF-FDA2-41F4-B56F-AAA590D8F953}" type="slidenum">
               <a:rPr lang="zh-CN" altLang="en-US" smtClean="0"/>
               <a:t>‹#›</a:t>
             </a:fld>
@@ -3003,7 +3003,7 @@
     </p:spTree>
     <p:extLst>
       <p:ext uri="{BB962C8B-B14F-4D97-AF65-F5344CB8AC3E}">
-        <p14:creationId xmlns:p14="http://schemas.microsoft.com/office/powerpoint/2010/main" val="4198350702"/>
+        <p14:creationId xmlns:p14="http://schemas.microsoft.com/office/powerpoint/2010/main" val="1230431227"/>
       </p:ext>
     </p:extLst>
   </p:cSld>
@@ -3323,7 +3323,7 @@
       </p:grpSpPr>
       <p:pic>
         <p:nvPicPr>
-          <p:cNvPr id="743426" name="Picture 2" descr="725"/>
+          <p:cNvPr id="744450" name="Picture 2" descr="726"/>
           <p:cNvPicPr>
             <a:picLocks noChangeAspect="1" noChangeArrowheads="1"/>
           </p:cNvPicPr>
@@ -3375,158 +3375,11 @@
           </a:extLst>
         </p:spPr>
       </p:pic>
-      <p:pic>
-        <p:nvPicPr>
-          <p:cNvPr id="744451" name="Picture 3" descr="725-2"/>
-          <p:cNvPicPr>
-            <a:picLocks noChangeAspect="1" noChangeArrowheads="1"/>
-          </p:cNvPicPr>
-          <p:nvPr/>
-        </p:nvPicPr>
-        <p:blipFill>
-          <a:blip r:embed="rId3">
-            <a:extLst>
-              <a:ext uri="{28A0092B-C50C-407E-A947-70E740481C1C}">
-                <a14:useLocalDpi xmlns:a14="http://schemas.microsoft.com/office/drawing/2010/main" val="0"/>
-              </a:ext>
-            </a:extLst>
-          </a:blip>
-          <a:srcRect/>
-          <a:stretch>
-            <a:fillRect/>
-          </a:stretch>
-        </p:blipFill>
-        <p:spPr bwMode="auto">
-          <a:xfrm>
-            <a:off x="1524000" y="0"/>
-            <a:ext cx="9144000" cy="6858000"/>
-          </a:xfrm>
-          <a:prstGeom prst="rect">
-            <a:avLst/>
-          </a:prstGeom>
-          <a:noFill/>
-          <a:ln>
-            <a:noFill/>
-          </a:ln>
-          <a:effectLst/>
-          <a:extLst>
-            <a:ext uri="{909E8E84-426E-40DD-AFC4-6F175D3DCCD1}">
-              <a14:hiddenFill xmlns:a14="http://schemas.microsoft.com/office/drawing/2010/main">
-                <a:solidFill>
-                  <a:srgbClr val="FFFFFF"/>
-                </a:solidFill>
-              </a14:hiddenFill>
-            </a:ext>
-            <a:ext uri="{91240B29-F687-4F45-9708-019B960494DF}">
-              <a14:hiddenLine xmlns:a14="http://schemas.microsoft.com/office/drawing/2010/main" w="9525">
-                <a:solidFill>
-                  <a:srgbClr val="000000"/>
-                </a:solidFill>
-                <a:miter lim="800000"/>
-                <a:headEnd/>
-                <a:tailEnd/>
-              </a14:hiddenLine>
-            </a:ext>
-            <a:ext uri="{AF507438-7753-43E0-B8FC-AC1667EBCBE1}">
-              <a14:hiddenEffects xmlns:a14="http://schemas.microsoft.com/office/drawing/2010/main">
-                <a:effectLst>
-                  <a:outerShdw dist="35921" dir="2700000" algn="ctr" rotWithShape="0">
-                    <a:srgbClr val="808080"/>
-                  </a:outerShdw>
-                </a:effectLst>
-              </a14:hiddenEffects>
-            </a:ext>
-          </a:extLst>
-        </p:spPr>
-      </p:pic>
     </p:spTree>
   </p:cSld>
   <p:clrMapOvr>
     <a:masterClrMapping/>
   </p:clrMapOvr>
-  <p:timing>
-    <p:tnLst>
-      <p:par>
-        <p:cTn id="1" dur="indefinite" restart="never" nodeType="tmRoot">
-          <p:childTnLst>
-            <p:seq concurrent="1" nextAc="seek">
-              <p:cTn id="2" dur="indefinite" nodeType="mainSeq">
-                <p:childTnLst>
-                  <p:par>
-                    <p:cTn id="3" fill="hold" nodeType="clickPar">
-                      <p:stCondLst>
-                        <p:cond delay="indefinite"/>
-                      </p:stCondLst>
-                      <p:childTnLst>
-                        <p:par>
-                          <p:cTn id="4" fill="hold" nodeType="withGroup">
-                            <p:stCondLst>
-                              <p:cond delay="0"/>
-                            </p:stCondLst>
-                            <p:childTnLst>
-                              <p:par>
-                                <p:cTn id="5" presetID="10" presetClass="entr" presetSubtype="0" fill="hold" nodeType="clickEffect">
-                                  <p:stCondLst>
-                                    <p:cond delay="0"/>
-                                  </p:stCondLst>
-                                  <p:childTnLst>
-                                    <p:set>
-                                      <p:cBhvr>
-                                        <p:cTn id="6" dur="1" fill="hold">
-                                          <p:stCondLst>
-                                            <p:cond delay="0"/>
-                                          </p:stCondLst>
-                                        </p:cTn>
-                                        <p:tgtEl>
-                                          <p:spTgt spid="744451"/>
-                                        </p:tgtEl>
-                                        <p:attrNameLst>
-                                          <p:attrName>style.visibility</p:attrName>
-                                        </p:attrNameLst>
-                                      </p:cBhvr>
-                                      <p:to>
-                                        <p:strVal val="visible"/>
-                                      </p:to>
-                                    </p:set>
-                                    <p:animEffect transition="in" filter="fade">
-                                      <p:cBhvr>
-                                        <p:cTn id="7" dur="500"/>
-                                        <p:tgtEl>
-                                          <p:spTgt spid="744451"/>
-                                        </p:tgtEl>
-                                      </p:cBhvr>
-                                    </p:animEffect>
-                                  </p:childTnLst>
-                                </p:cTn>
-                              </p:par>
-                            </p:childTnLst>
-                          </p:cTn>
-                        </p:par>
-                      </p:childTnLst>
-                    </p:cTn>
-                  </p:par>
-                </p:childTnLst>
-              </p:cTn>
-              <p:prevCondLst>
-                <p:cond evt="onPrev" delay="0">
-                  <p:tgtEl>
-                    <p:sldTgt/>
-                  </p:tgtEl>
-                </p:cond>
-              </p:prevCondLst>
-              <p:nextCondLst>
-                <p:cond evt="onNext" delay="0">
-                  <p:tgtEl>
-                    <p:sldTgt/>
-                  </p:tgtEl>
-                </p:cond>
-              </p:nextCondLst>
-            </p:seq>
-          </p:childTnLst>
-        </p:cTn>
-      </p:par>
-    </p:tnLst>
-  </p:timing>
 </p:sld>
 </file>
 
